--- a/系統分析-第八組期末專案.pptx
+++ b/系統分析-第八組期末專案.pptx
@@ -128,6 +128,11 @@
       </a:defRPr>
     </a:lvl9pPr>
   </p:defaultTextStyle>
+  <p:extLst>
+    <p:ext uri="{EFAFB233-063F-42B5-8137-9DF3F51BA10A}">
+      <p15:sldGuideLst xmlns:p15="http://schemas.microsoft.com/office/powerpoint/2012/main"/>
+    </p:ext>
+  </p:extLst>
 </p:presentation>
 </file>
 
@@ -709,7 +714,7 @@
           </a:lstStyle>
           <a:p>
             <a:r>
-              <a:rPr lang="zh-TW" altLang="en-US" smtClean="0"/>
+              <a:rPr lang="zh-TW" altLang="en-US"/>
               <a:t>按一下以編輯母片標題樣式</a:t>
             </a:r>
             <a:endParaRPr lang="en-US" dirty="0"/>
@@ -829,7 +834,7 @@
           </a:lstStyle>
           <a:p>
             <a:r>
-              <a:rPr lang="zh-TW" altLang="en-US" smtClean="0"/>
+              <a:rPr lang="zh-TW" altLang="en-US"/>
               <a:t>按一下以編輯母片副標題樣式</a:t>
             </a:r>
             <a:endParaRPr lang="en-US" dirty="0"/>
@@ -854,7 +859,7 @@
             <a:fld id="{B61BEF0D-F0BB-DE4B-95CE-6DB70DBA9567}" type="datetimeFigureOut">
               <a:rPr lang="en-US" dirty="0"/>
               <a:pPr/>
-              <a:t>6/19/2022</a:t>
+              <a:t>6/21/2022</a:t>
             </a:fld>
             <a:endParaRPr lang="en-US" dirty="0"/>
           </a:p>
@@ -955,7 +960,7 @@
           </a:lstStyle>
           <a:p>
             <a:r>
-              <a:rPr lang="zh-TW" altLang="en-US" smtClean="0"/>
+              <a:rPr lang="zh-TW" altLang="en-US"/>
               <a:t>按一下以編輯母片標題樣式</a:t>
             </a:r>
             <a:endParaRPr lang="en-US" dirty="0"/>
@@ -1078,7 +1083,7 @@
           <a:p>
             <a:pPr lvl="0"/>
             <a:r>
-              <a:rPr lang="zh-TW" altLang="en-US" smtClean="0"/>
+              <a:rPr lang="zh-TW" altLang="en-US"/>
               <a:t>編輯母片文字樣式</a:t>
             </a:r>
           </a:p>
@@ -1102,7 +1107,7 @@
             <a:fld id="{B61BEF0D-F0BB-DE4B-95CE-6DB70DBA9567}" type="datetimeFigureOut">
               <a:rPr lang="en-US" dirty="0"/>
               <a:pPr/>
-              <a:t>6/19/2022</a:t>
+              <a:t>6/21/2022</a:t>
             </a:fld>
             <a:endParaRPr lang="en-US" dirty="0"/>
           </a:p>
@@ -1203,7 +1208,7 @@
           </a:lstStyle>
           <a:p>
             <a:r>
-              <a:rPr lang="zh-TW" altLang="en-US" smtClean="0"/>
+              <a:rPr lang="zh-TW" altLang="en-US"/>
               <a:t>按一下以編輯母片標題樣式</a:t>
             </a:r>
             <a:endParaRPr lang="en-US" dirty="0"/>
@@ -1267,7 +1272,7 @@
           <a:p>
             <a:pPr lvl="0"/>
             <a:r>
-              <a:rPr lang="zh-TW" altLang="en-US" smtClean="0"/>
+              <a:rPr lang="zh-TW" altLang="en-US"/>
               <a:t>編輯母片文字樣式</a:t>
             </a:r>
           </a:p>
@@ -1389,7 +1394,7 @@
           <a:p>
             <a:pPr lvl="0"/>
             <a:r>
-              <a:rPr lang="zh-TW" altLang="en-US" smtClean="0"/>
+              <a:rPr lang="zh-TW" altLang="en-US"/>
               <a:t>編輯母片文字樣式</a:t>
             </a:r>
           </a:p>
@@ -1413,7 +1418,7 @@
             <a:fld id="{B61BEF0D-F0BB-DE4B-95CE-6DB70DBA9567}" type="datetimeFigureOut">
               <a:rPr lang="en-US" dirty="0"/>
               <a:pPr/>
-              <a:t>6/19/2022</a:t>
+              <a:t>6/21/2022</a:t>
             </a:fld>
             <a:endParaRPr lang="en-US" dirty="0"/>
           </a:p>
@@ -1604,7 +1609,7 @@
           </a:lstStyle>
           <a:p>
             <a:r>
-              <a:rPr lang="zh-TW" altLang="en-US" smtClean="0"/>
+              <a:rPr lang="zh-TW" altLang="en-US"/>
               <a:t>按一下以編輯母片標題樣式</a:t>
             </a:r>
             <a:endParaRPr lang="en-US" dirty="0"/>
@@ -1727,7 +1732,7 @@
           <a:p>
             <a:pPr lvl="0"/>
             <a:r>
-              <a:rPr lang="zh-TW" altLang="en-US" smtClean="0"/>
+              <a:rPr lang="zh-TW" altLang="en-US"/>
               <a:t>編輯母片文字樣式</a:t>
             </a:r>
           </a:p>
@@ -1751,7 +1756,7 @@
             <a:fld id="{B61BEF0D-F0BB-DE4B-95CE-6DB70DBA9567}" type="datetimeFigureOut">
               <a:rPr lang="en-US" dirty="0"/>
               <a:pPr/>
-              <a:t>6/19/2022</a:t>
+              <a:t>6/21/2022</a:t>
             </a:fld>
             <a:endParaRPr lang="en-US" dirty="0"/>
           </a:p>
@@ -1852,7 +1857,7 @@
           </a:lstStyle>
           <a:p>
             <a:r>
-              <a:rPr lang="zh-TW" altLang="en-US" smtClean="0"/>
+              <a:rPr lang="zh-TW" altLang="en-US"/>
               <a:t>按一下以編輯母片標題樣式</a:t>
             </a:r>
             <a:endParaRPr lang="en-US" dirty="0"/>
@@ -1916,7 +1921,7 @@
           <a:p>
             <a:pPr lvl="0"/>
             <a:r>
-              <a:rPr lang="zh-TW" altLang="en-US" smtClean="0"/>
+              <a:rPr lang="zh-TW" altLang="en-US"/>
               <a:t>編輯母片文字樣式</a:t>
             </a:r>
           </a:p>
@@ -2038,7 +2043,7 @@
           <a:p>
             <a:pPr lvl="0"/>
             <a:r>
-              <a:rPr lang="zh-TW" altLang="en-US" smtClean="0"/>
+              <a:rPr lang="zh-TW" altLang="en-US"/>
               <a:t>編輯母片文字樣式</a:t>
             </a:r>
           </a:p>
@@ -2062,7 +2067,7 @@
             <a:fld id="{B61BEF0D-F0BB-DE4B-95CE-6DB70DBA9567}" type="datetimeFigureOut">
               <a:rPr lang="en-US" dirty="0"/>
               <a:pPr/>
-              <a:t>6/19/2022</a:t>
+              <a:t>6/21/2022</a:t>
             </a:fld>
             <a:endParaRPr lang="en-US" dirty="0"/>
           </a:p>
@@ -2245,7 +2250,7 @@
           </a:lstStyle>
           <a:p>
             <a:r>
-              <a:rPr lang="zh-TW" altLang="en-US" smtClean="0"/>
+              <a:rPr lang="zh-TW" altLang="en-US"/>
               <a:t>按一下以編輯母片標題樣式</a:t>
             </a:r>
             <a:endParaRPr lang="en-US" dirty="0"/>
@@ -2306,7 +2311,7 @@
           <a:p>
             <a:pPr lvl="0"/>
             <a:r>
-              <a:rPr lang="zh-TW" altLang="en-US" smtClean="0"/>
+              <a:rPr lang="zh-TW" altLang="en-US"/>
               <a:t>編輯母片文字樣式</a:t>
             </a:r>
           </a:p>
@@ -2428,7 +2433,7 @@
           <a:p>
             <a:pPr lvl="0"/>
             <a:r>
-              <a:rPr lang="zh-TW" altLang="en-US" smtClean="0"/>
+              <a:rPr lang="zh-TW" altLang="en-US"/>
               <a:t>編輯母片文字樣式</a:t>
             </a:r>
           </a:p>
@@ -2452,7 +2457,7 @@
             <a:fld id="{B61BEF0D-F0BB-DE4B-95CE-6DB70DBA9567}" type="datetimeFigureOut">
               <a:rPr lang="en-US" dirty="0"/>
               <a:pPr/>
-              <a:t>6/19/2022</a:t>
+              <a:t>6/21/2022</a:t>
             </a:fld>
             <a:endParaRPr lang="en-US" dirty="0"/>
           </a:p>
@@ -2542,7 +2547,7 @@
           <a:lstStyle/>
           <a:p>
             <a:r>
-              <a:rPr lang="zh-TW" altLang="en-US" smtClean="0"/>
+              <a:rPr lang="zh-TW" altLang="en-US"/>
               <a:t>按一下以編輯母片標題樣式</a:t>
             </a:r>
             <a:endParaRPr lang="en-US" dirty="0"/>
@@ -2566,35 +2571,35 @@
           <a:p>
             <a:pPr lvl="0"/>
             <a:r>
-              <a:rPr lang="zh-TW" altLang="en-US" smtClean="0"/>
+              <a:rPr lang="zh-TW" altLang="en-US"/>
               <a:t>編輯母片文字樣式</a:t>
             </a:r>
           </a:p>
           <a:p>
             <a:pPr lvl="1"/>
             <a:r>
-              <a:rPr lang="zh-TW" altLang="en-US" smtClean="0"/>
+              <a:rPr lang="zh-TW" altLang="en-US"/>
               <a:t>第二層</a:t>
             </a:r>
           </a:p>
           <a:p>
             <a:pPr lvl="2"/>
             <a:r>
-              <a:rPr lang="zh-TW" altLang="en-US" smtClean="0"/>
+              <a:rPr lang="zh-TW" altLang="en-US"/>
               <a:t>第三層</a:t>
             </a:r>
           </a:p>
           <a:p>
             <a:pPr lvl="3"/>
             <a:r>
-              <a:rPr lang="zh-TW" altLang="en-US" smtClean="0"/>
+              <a:rPr lang="zh-TW" altLang="en-US"/>
               <a:t>第四層</a:t>
             </a:r>
           </a:p>
           <a:p>
             <a:pPr lvl="4"/>
             <a:r>
-              <a:rPr lang="zh-TW" altLang="en-US" smtClean="0"/>
+              <a:rPr lang="zh-TW" altLang="en-US"/>
               <a:t>第五層</a:t>
             </a:r>
             <a:endParaRPr lang="en-US" dirty="0"/>
@@ -2618,7 +2623,7 @@
           <a:p>
             <a:fld id="{55C6B4A9-1611-4792-9094-5F34BCA07E0B}" type="datetimeFigureOut">
               <a:rPr lang="en-US" dirty="0"/>
-              <a:t>6/19/2022</a:t>
+              <a:t>6/21/2022</a:t>
             </a:fld>
             <a:endParaRPr lang="en-US" dirty="0"/>
           </a:p>
@@ -2712,7 +2717,7 @@
           <a:lstStyle/>
           <a:p>
             <a:r>
-              <a:rPr lang="zh-TW" altLang="en-US" smtClean="0"/>
+              <a:rPr lang="zh-TW" altLang="en-US"/>
               <a:t>按一下以編輯母片標題樣式</a:t>
             </a:r>
             <a:endParaRPr lang="en-US" dirty="0"/>
@@ -2741,35 +2746,35 @@
           <a:p>
             <a:pPr lvl="0"/>
             <a:r>
-              <a:rPr lang="zh-TW" altLang="en-US" smtClean="0"/>
+              <a:rPr lang="zh-TW" altLang="en-US"/>
               <a:t>編輯母片文字樣式</a:t>
             </a:r>
           </a:p>
           <a:p>
             <a:pPr lvl="1"/>
             <a:r>
-              <a:rPr lang="zh-TW" altLang="en-US" smtClean="0"/>
+              <a:rPr lang="zh-TW" altLang="en-US"/>
               <a:t>第二層</a:t>
             </a:r>
           </a:p>
           <a:p>
             <a:pPr lvl="2"/>
             <a:r>
-              <a:rPr lang="zh-TW" altLang="en-US" smtClean="0"/>
+              <a:rPr lang="zh-TW" altLang="en-US"/>
               <a:t>第三層</a:t>
             </a:r>
           </a:p>
           <a:p>
             <a:pPr lvl="3"/>
             <a:r>
-              <a:rPr lang="zh-TW" altLang="en-US" smtClean="0"/>
+              <a:rPr lang="zh-TW" altLang="en-US"/>
               <a:t>第四層</a:t>
             </a:r>
           </a:p>
           <a:p>
             <a:pPr lvl="4"/>
             <a:r>
-              <a:rPr lang="zh-TW" altLang="en-US" smtClean="0"/>
+              <a:rPr lang="zh-TW" altLang="en-US"/>
               <a:t>第五層</a:t>
             </a:r>
             <a:endParaRPr lang="en-US" dirty="0"/>
@@ -2794,7 +2799,7 @@
             <a:fld id="{B61BEF0D-F0BB-DE4B-95CE-6DB70DBA9567}" type="datetimeFigureOut">
               <a:rPr lang="en-US" dirty="0"/>
               <a:pPr/>
-              <a:t>6/19/2022</a:t>
+              <a:t>6/21/2022</a:t>
             </a:fld>
             <a:endParaRPr lang="en-US" dirty="0"/>
           </a:p>
@@ -2890,7 +2895,7 @@
           </a:lstStyle>
           <a:p>
             <a:r>
-              <a:rPr lang="zh-TW" altLang="en-US" smtClean="0"/>
+              <a:rPr lang="zh-TW" altLang="en-US"/>
               <a:t>按一下以編輯母片標題樣式</a:t>
             </a:r>
             <a:endParaRPr lang="en-US" dirty="0"/>
@@ -2914,35 +2919,35 @@
           <a:p>
             <a:pPr lvl="0"/>
             <a:r>
-              <a:rPr lang="zh-TW" altLang="en-US" smtClean="0"/>
+              <a:rPr lang="zh-TW" altLang="en-US"/>
               <a:t>編輯母片文字樣式</a:t>
             </a:r>
           </a:p>
           <a:p>
             <a:pPr lvl="1"/>
             <a:r>
-              <a:rPr lang="zh-TW" altLang="en-US" smtClean="0"/>
+              <a:rPr lang="zh-TW" altLang="en-US"/>
               <a:t>第二層</a:t>
             </a:r>
           </a:p>
           <a:p>
             <a:pPr lvl="2"/>
             <a:r>
-              <a:rPr lang="zh-TW" altLang="en-US" smtClean="0"/>
+              <a:rPr lang="zh-TW" altLang="en-US"/>
               <a:t>第三層</a:t>
             </a:r>
           </a:p>
           <a:p>
             <a:pPr lvl="3"/>
             <a:r>
-              <a:rPr lang="zh-TW" altLang="en-US" smtClean="0"/>
+              <a:rPr lang="zh-TW" altLang="en-US"/>
               <a:t>第四層</a:t>
             </a:r>
           </a:p>
           <a:p>
             <a:pPr lvl="4"/>
             <a:r>
-              <a:rPr lang="zh-TW" altLang="en-US" smtClean="0"/>
+              <a:rPr lang="zh-TW" altLang="en-US"/>
               <a:t>第五層</a:t>
             </a:r>
             <a:endParaRPr lang="en-US" dirty="0"/>
@@ -2967,7 +2972,7 @@
             <a:fld id="{B61BEF0D-F0BB-DE4B-95CE-6DB70DBA9567}" type="datetimeFigureOut">
               <a:rPr lang="en-US" dirty="0"/>
               <a:pPr/>
-              <a:t>6/19/2022</a:t>
+              <a:t>6/21/2022</a:t>
             </a:fld>
             <a:endParaRPr lang="en-US" dirty="0"/>
           </a:p>
@@ -3066,7 +3071,7 @@
           </a:lstStyle>
           <a:p>
             <a:r>
-              <a:rPr lang="zh-TW" altLang="en-US" smtClean="0"/>
+              <a:rPr lang="zh-TW" altLang="en-US"/>
               <a:t>按一下以編輯母片標題樣式</a:t>
             </a:r>
             <a:endParaRPr lang="en-US" dirty="0"/>
@@ -3187,7 +3192,7 @@
           <a:p>
             <a:pPr lvl="0"/>
             <a:r>
-              <a:rPr lang="zh-TW" altLang="en-US" smtClean="0"/>
+              <a:rPr lang="zh-TW" altLang="en-US"/>
               <a:t>編輯母片文字樣式</a:t>
             </a:r>
           </a:p>
@@ -3211,7 +3216,7 @@
             <a:fld id="{B61BEF0D-F0BB-DE4B-95CE-6DB70DBA9567}" type="datetimeFigureOut">
               <a:rPr lang="en-US" dirty="0"/>
               <a:pPr/>
-              <a:t>6/19/2022</a:t>
+              <a:t>6/21/2022</a:t>
             </a:fld>
             <a:endParaRPr lang="en-US" dirty="0"/>
           </a:p>
@@ -3301,7 +3306,7 @@
           <a:lstStyle/>
           <a:p>
             <a:r>
-              <a:rPr lang="zh-TW" altLang="en-US" smtClean="0"/>
+              <a:rPr lang="zh-TW" altLang="en-US"/>
               <a:t>按一下以編輯母片標題樣式</a:t>
             </a:r>
             <a:endParaRPr lang="en-US" dirty="0"/>
@@ -3330,35 +3335,35 @@
           <a:p>
             <a:pPr lvl="0"/>
             <a:r>
-              <a:rPr lang="zh-TW" altLang="en-US" smtClean="0"/>
+              <a:rPr lang="zh-TW" altLang="en-US"/>
               <a:t>編輯母片文字樣式</a:t>
             </a:r>
           </a:p>
           <a:p>
             <a:pPr lvl="1"/>
             <a:r>
-              <a:rPr lang="zh-TW" altLang="en-US" smtClean="0"/>
+              <a:rPr lang="zh-TW" altLang="en-US"/>
               <a:t>第二層</a:t>
             </a:r>
           </a:p>
           <a:p>
             <a:pPr lvl="2"/>
             <a:r>
-              <a:rPr lang="zh-TW" altLang="en-US" smtClean="0"/>
+              <a:rPr lang="zh-TW" altLang="en-US"/>
               <a:t>第三層</a:t>
             </a:r>
           </a:p>
           <a:p>
             <a:pPr lvl="3"/>
             <a:r>
-              <a:rPr lang="zh-TW" altLang="en-US" smtClean="0"/>
+              <a:rPr lang="zh-TW" altLang="en-US"/>
               <a:t>第四層</a:t>
             </a:r>
           </a:p>
           <a:p>
             <a:pPr lvl="4"/>
             <a:r>
-              <a:rPr lang="zh-TW" altLang="en-US" smtClean="0"/>
+              <a:rPr lang="zh-TW" altLang="en-US"/>
               <a:t>第五層</a:t>
             </a:r>
             <a:endParaRPr lang="en-US" dirty="0"/>
@@ -3387,35 +3392,35 @@
           <a:p>
             <a:pPr lvl="0"/>
             <a:r>
-              <a:rPr lang="zh-TW" altLang="en-US" smtClean="0"/>
+              <a:rPr lang="zh-TW" altLang="en-US"/>
               <a:t>編輯母片文字樣式</a:t>
             </a:r>
           </a:p>
           <a:p>
             <a:pPr lvl="1"/>
             <a:r>
-              <a:rPr lang="zh-TW" altLang="en-US" smtClean="0"/>
+              <a:rPr lang="zh-TW" altLang="en-US"/>
               <a:t>第二層</a:t>
             </a:r>
           </a:p>
           <a:p>
             <a:pPr lvl="2"/>
             <a:r>
-              <a:rPr lang="zh-TW" altLang="en-US" smtClean="0"/>
+              <a:rPr lang="zh-TW" altLang="en-US"/>
               <a:t>第三層</a:t>
             </a:r>
           </a:p>
           <a:p>
             <a:pPr lvl="3"/>
             <a:r>
-              <a:rPr lang="zh-TW" altLang="en-US" smtClean="0"/>
+              <a:rPr lang="zh-TW" altLang="en-US"/>
               <a:t>第四層</a:t>
             </a:r>
           </a:p>
           <a:p>
             <a:pPr lvl="4"/>
             <a:r>
-              <a:rPr lang="zh-TW" altLang="en-US" smtClean="0"/>
+              <a:rPr lang="zh-TW" altLang="en-US"/>
               <a:t>第五層</a:t>
             </a:r>
             <a:endParaRPr lang="en-US" dirty="0"/>
@@ -3439,7 +3444,7 @@
           <a:p>
             <a:fld id="{EB712588-04B1-427B-82EE-E8DB90309F08}" type="datetimeFigureOut">
               <a:rPr lang="en-US" dirty="0"/>
-              <a:t>6/19/2022</a:t>
+              <a:t>6/21/2022</a:t>
             </a:fld>
             <a:endParaRPr lang="en-US" dirty="0"/>
           </a:p>
@@ -3532,7 +3537,7 @@
           </a:lstStyle>
           <a:p>
             <a:r>
-              <a:rPr lang="zh-TW" altLang="en-US" smtClean="0"/>
+              <a:rPr lang="zh-TW" altLang="en-US"/>
               <a:t>按一下以編輯母片標題樣式</a:t>
             </a:r>
             <a:endParaRPr lang="en-US" dirty="0"/>
@@ -3600,7 +3605,7 @@
           <a:p>
             <a:pPr lvl="0"/>
             <a:r>
-              <a:rPr lang="zh-TW" altLang="en-US" smtClean="0"/>
+              <a:rPr lang="zh-TW" altLang="en-US"/>
               <a:t>編輯母片文字樣式</a:t>
             </a:r>
           </a:p>
@@ -3630,35 +3635,35 @@
           <a:p>
             <a:pPr lvl="0"/>
             <a:r>
-              <a:rPr lang="zh-TW" altLang="en-US" smtClean="0"/>
+              <a:rPr lang="zh-TW" altLang="en-US"/>
               <a:t>編輯母片文字樣式</a:t>
             </a:r>
           </a:p>
           <a:p>
             <a:pPr lvl="1"/>
             <a:r>
-              <a:rPr lang="zh-TW" altLang="en-US" smtClean="0"/>
+              <a:rPr lang="zh-TW" altLang="en-US"/>
               <a:t>第二層</a:t>
             </a:r>
           </a:p>
           <a:p>
             <a:pPr lvl="2"/>
             <a:r>
-              <a:rPr lang="zh-TW" altLang="en-US" smtClean="0"/>
+              <a:rPr lang="zh-TW" altLang="en-US"/>
               <a:t>第三層</a:t>
             </a:r>
           </a:p>
           <a:p>
             <a:pPr lvl="3"/>
             <a:r>
-              <a:rPr lang="zh-TW" altLang="en-US" smtClean="0"/>
+              <a:rPr lang="zh-TW" altLang="en-US"/>
               <a:t>第四層</a:t>
             </a:r>
           </a:p>
           <a:p>
             <a:pPr lvl="4"/>
             <a:r>
-              <a:rPr lang="zh-TW" altLang="en-US" smtClean="0"/>
+              <a:rPr lang="zh-TW" altLang="en-US"/>
               <a:t>第五層</a:t>
             </a:r>
             <a:endParaRPr lang="en-US" dirty="0"/>
@@ -3726,7 +3731,7 @@
           <a:p>
             <a:pPr lvl="0"/>
             <a:r>
-              <a:rPr lang="zh-TW" altLang="en-US" smtClean="0"/>
+              <a:rPr lang="zh-TW" altLang="en-US"/>
               <a:t>編輯母片文字樣式</a:t>
             </a:r>
           </a:p>
@@ -3756,35 +3761,35 @@
           <a:p>
             <a:pPr lvl="0"/>
             <a:r>
-              <a:rPr lang="zh-TW" altLang="en-US" smtClean="0"/>
+              <a:rPr lang="zh-TW" altLang="en-US"/>
               <a:t>編輯母片文字樣式</a:t>
             </a:r>
           </a:p>
           <a:p>
             <a:pPr lvl="1"/>
             <a:r>
-              <a:rPr lang="zh-TW" altLang="en-US" smtClean="0"/>
+              <a:rPr lang="zh-TW" altLang="en-US"/>
               <a:t>第二層</a:t>
             </a:r>
           </a:p>
           <a:p>
             <a:pPr lvl="2"/>
             <a:r>
-              <a:rPr lang="zh-TW" altLang="en-US" smtClean="0"/>
+              <a:rPr lang="zh-TW" altLang="en-US"/>
               <a:t>第三層</a:t>
             </a:r>
           </a:p>
           <a:p>
             <a:pPr lvl="3"/>
             <a:r>
-              <a:rPr lang="zh-TW" altLang="en-US" smtClean="0"/>
+              <a:rPr lang="zh-TW" altLang="en-US"/>
               <a:t>第四層</a:t>
             </a:r>
           </a:p>
           <a:p>
             <a:pPr lvl="4"/>
             <a:r>
-              <a:rPr lang="zh-TW" altLang="en-US" smtClean="0"/>
+              <a:rPr lang="zh-TW" altLang="en-US"/>
               <a:t>第五層</a:t>
             </a:r>
             <a:endParaRPr lang="en-US" dirty="0"/>
@@ -3809,7 +3814,7 @@
             <a:fld id="{B61BEF0D-F0BB-DE4B-95CE-6DB70DBA9567}" type="datetimeFigureOut">
               <a:rPr lang="en-US" dirty="0"/>
               <a:pPr/>
-              <a:t>6/19/2022</a:t>
+              <a:t>6/21/2022</a:t>
             </a:fld>
             <a:endParaRPr lang="en-US" dirty="0"/>
           </a:p>
@@ -3904,7 +3909,7 @@
           <a:lstStyle/>
           <a:p>
             <a:r>
-              <a:rPr lang="zh-TW" altLang="en-US" smtClean="0"/>
+              <a:rPr lang="zh-TW" altLang="en-US"/>
               <a:t>按一下以編輯母片標題樣式</a:t>
             </a:r>
             <a:endParaRPr lang="en-US" dirty="0"/>
@@ -3929,7 +3934,7 @@
             <a:fld id="{B61BEF0D-F0BB-DE4B-95CE-6DB70DBA9567}" type="datetimeFigureOut">
               <a:rPr lang="en-US" dirty="0"/>
               <a:pPr/>
-              <a:t>6/19/2022</a:t>
+              <a:t>6/21/2022</a:t>
             </a:fld>
             <a:endParaRPr lang="en-US" dirty="0"/>
           </a:p>
@@ -4021,7 +4026,7 @@
             <a:fld id="{B61BEF0D-F0BB-DE4B-95CE-6DB70DBA9567}" type="datetimeFigureOut">
               <a:rPr lang="en-US" dirty="0"/>
               <a:pPr/>
-              <a:t>6/19/2022</a:t>
+              <a:t>6/21/2022</a:t>
             </a:fld>
             <a:endParaRPr lang="en-US" dirty="0"/>
           </a:p>
@@ -4122,7 +4127,7 @@
           </a:lstStyle>
           <a:p>
             <a:r>
-              <a:rPr lang="zh-TW" altLang="en-US" smtClean="0"/>
+              <a:rPr lang="zh-TW" altLang="en-US"/>
               <a:t>按一下以編輯母片標題樣式</a:t>
             </a:r>
             <a:endParaRPr lang="en-US" dirty="0"/>
@@ -4153,35 +4158,35 @@
           <a:p>
             <a:pPr lvl="0"/>
             <a:r>
-              <a:rPr lang="zh-TW" altLang="en-US" smtClean="0"/>
+              <a:rPr lang="zh-TW" altLang="en-US"/>
               <a:t>編輯母片文字樣式</a:t>
             </a:r>
           </a:p>
           <a:p>
             <a:pPr lvl="1"/>
             <a:r>
-              <a:rPr lang="zh-TW" altLang="en-US" smtClean="0"/>
+              <a:rPr lang="zh-TW" altLang="en-US"/>
               <a:t>第二層</a:t>
             </a:r>
           </a:p>
           <a:p>
             <a:pPr lvl="2"/>
             <a:r>
-              <a:rPr lang="zh-TW" altLang="en-US" smtClean="0"/>
+              <a:rPr lang="zh-TW" altLang="en-US"/>
               <a:t>第三層</a:t>
             </a:r>
           </a:p>
           <a:p>
             <a:pPr lvl="3"/>
             <a:r>
-              <a:rPr lang="zh-TW" altLang="en-US" smtClean="0"/>
+              <a:rPr lang="zh-TW" altLang="en-US"/>
               <a:t>第四層</a:t>
             </a:r>
           </a:p>
           <a:p>
             <a:pPr lvl="4"/>
             <a:r>
-              <a:rPr lang="zh-TW" altLang="en-US" smtClean="0"/>
+              <a:rPr lang="zh-TW" altLang="en-US"/>
               <a:t>第五層</a:t>
             </a:r>
             <a:endParaRPr lang="en-US" dirty="0"/>
@@ -4249,7 +4254,7 @@
           <a:p>
             <a:pPr lvl="0"/>
             <a:r>
-              <a:rPr lang="zh-TW" altLang="en-US" smtClean="0"/>
+              <a:rPr lang="zh-TW" altLang="en-US"/>
               <a:t>編輯母片文字樣式</a:t>
             </a:r>
           </a:p>
@@ -4272,7 +4277,7 @@
           <a:p>
             <a:fld id="{42A54C80-263E-416B-A8E0-580EDEADCBDC}" type="datetimeFigureOut">
               <a:rPr lang="en-US" dirty="0"/>
-              <a:t>6/19/2022</a:t>
+              <a:t>6/21/2022</a:t>
             </a:fld>
             <a:endParaRPr lang="en-US" dirty="0"/>
           </a:p>
@@ -4372,7 +4377,7 @@
           </a:lstStyle>
           <a:p>
             <a:r>
-              <a:rPr lang="zh-TW" altLang="en-US" smtClean="0"/>
+              <a:rPr lang="zh-TW" altLang="en-US"/>
               <a:t>按一下以編輯母片標題樣式</a:t>
             </a:r>
             <a:endParaRPr lang="en-US" dirty="0"/>
@@ -4439,7 +4444,7 @@
           </a:lstStyle>
           <a:p>
             <a:r>
-              <a:rPr lang="zh-TW" altLang="en-US" smtClean="0"/>
+              <a:rPr lang="zh-TW" altLang="en-US"/>
               <a:t>按一下圖示以新增圖片</a:t>
             </a:r>
             <a:endParaRPr lang="en-US" dirty="0"/>
@@ -4507,7 +4512,7 @@
           <a:p>
             <a:pPr lvl="0"/>
             <a:r>
-              <a:rPr lang="zh-TW" altLang="en-US" smtClean="0"/>
+              <a:rPr lang="zh-TW" altLang="en-US"/>
               <a:t>編輯母片文字樣式</a:t>
             </a:r>
           </a:p>
@@ -4531,7 +4536,7 @@
             <a:fld id="{B61BEF0D-F0BB-DE4B-95CE-6DB70DBA9567}" type="datetimeFigureOut">
               <a:rPr lang="en-US" dirty="0"/>
               <a:pPr/>
-              <a:t>6/19/2022</a:t>
+              <a:t>6/21/2022</a:t>
             </a:fld>
             <a:endParaRPr lang="en-US" dirty="0"/>
           </a:p>
@@ -5166,7 +5171,7 @@
           <a:lstStyle/>
           <a:p>
             <a:r>
-              <a:rPr lang="zh-TW" altLang="en-US" smtClean="0"/>
+              <a:rPr lang="zh-TW" altLang="en-US"/>
               <a:t>按一下以編輯母片標題樣式</a:t>
             </a:r>
             <a:endParaRPr lang="en-US" dirty="0"/>
@@ -5200,35 +5205,35 @@
           <a:p>
             <a:pPr lvl="0"/>
             <a:r>
-              <a:rPr lang="zh-TW" altLang="en-US" smtClean="0"/>
+              <a:rPr lang="zh-TW" altLang="en-US"/>
               <a:t>編輯母片文字樣式</a:t>
             </a:r>
           </a:p>
           <a:p>
             <a:pPr lvl="1"/>
             <a:r>
-              <a:rPr lang="zh-TW" altLang="en-US" smtClean="0"/>
+              <a:rPr lang="zh-TW" altLang="en-US"/>
               <a:t>第二層</a:t>
             </a:r>
           </a:p>
           <a:p>
             <a:pPr lvl="2"/>
             <a:r>
-              <a:rPr lang="zh-TW" altLang="en-US" smtClean="0"/>
+              <a:rPr lang="zh-TW" altLang="en-US"/>
               <a:t>第三層</a:t>
             </a:r>
           </a:p>
           <a:p>
             <a:pPr lvl="3"/>
             <a:r>
-              <a:rPr lang="zh-TW" altLang="en-US" smtClean="0"/>
+              <a:rPr lang="zh-TW" altLang="en-US"/>
               <a:t>第四層</a:t>
             </a:r>
           </a:p>
           <a:p>
             <a:pPr lvl="4"/>
             <a:r>
-              <a:rPr lang="zh-TW" altLang="en-US" smtClean="0"/>
+              <a:rPr lang="zh-TW" altLang="en-US"/>
               <a:t>第五層</a:t>
             </a:r>
             <a:endParaRPr lang="en-US" dirty="0"/>
@@ -5271,7 +5276,7 @@
             <a:fld id="{B61BEF0D-F0BB-DE4B-95CE-6DB70DBA9567}" type="datetimeFigureOut">
               <a:rPr lang="en-US" dirty="0"/>
               <a:pPr/>
-              <a:t>6/19/2022</a:t>
+              <a:t>6/21/2022</a:t>
             </a:fld>
             <a:endParaRPr lang="en-US" dirty="0"/>
           </a:p>
@@ -5813,10 +5818,9 @@
           <a:p>
             <a:pPr algn="ctr"/>
             <a:r>
-              <a:rPr lang="zh-TW" altLang="en-US" dirty="0" smtClean="0"/>
+              <a:rPr lang="zh-TW" altLang="en-US" dirty="0"/>
               <a:t>第八組</a:t>
             </a:r>
-            <a:endParaRPr lang="zh-TW" altLang="en-US" dirty="0"/>
           </a:p>
         </p:txBody>
       </p:sp>
@@ -5848,34 +5852,29 @@
               <a:t>	</a:t>
             </a:r>
             <a:r>
-              <a:rPr lang="zh-TW" altLang="en-US" sz="7100" dirty="0" smtClean="0"/>
+              <a:rPr lang="zh-TW" altLang="en-US" sz="7100" dirty="0"/>
               <a:t>主題：</a:t>
             </a:r>
             <a:r>
-              <a:rPr lang="en-US" altLang="zh-TW" sz="7100" dirty="0" err="1" smtClean="0"/>
+              <a:rPr lang="en-US" altLang="zh-TW" sz="7100" dirty="0" err="1"/>
               <a:t>Ubereat</a:t>
             </a:r>
-            <a:endParaRPr lang="en-US" altLang="zh-TW" sz="7100" dirty="0" smtClean="0"/>
+            <a:endParaRPr lang="en-US" altLang="zh-TW" sz="7100" dirty="0"/>
           </a:p>
           <a:p>
             <a:pPr algn="ctr"/>
             <a:r>
-              <a:rPr lang="zh-TW" altLang="en-US" sz="2400" dirty="0" smtClean="0"/>
+              <a:rPr lang="zh-TW" altLang="en-US" sz="2400" dirty="0"/>
               <a:t>  </a:t>
             </a:r>
             <a:r>
-              <a:rPr lang="zh-TW" altLang="en-US" sz="2400" dirty="0" smtClean="0">
+              <a:rPr lang="zh-TW" altLang="en-US" sz="2400" dirty="0">
                 <a:solidFill>
                   <a:srgbClr val="0070C0"/>
                 </a:solidFill>
               </a:rPr>
               <a:t>組員：廖立安、李俊賢、潘耿劭</a:t>
             </a:r>
-            <a:endParaRPr lang="zh-TW" altLang="en-US" sz="2400" dirty="0">
-              <a:solidFill>
-                <a:srgbClr val="0070C0"/>
-              </a:solidFill>
-            </a:endParaRPr>
           </a:p>
         </p:txBody>
       </p:sp>
@@ -5926,10 +5925,9 @@
           <a:p>
             <a:pPr algn="ctr"/>
             <a:r>
-              <a:rPr lang="zh-TW" altLang="en-US" dirty="0" smtClean="0"/>
+              <a:rPr lang="zh-TW" altLang="en-US" dirty="0"/>
               <a:t>平台作業</a:t>
             </a:r>
-            <a:endParaRPr lang="zh-TW" altLang="en-US" dirty="0"/>
           </a:p>
         </p:txBody>
       </p:sp>
@@ -6391,21 +6389,16 @@
             <a:pPr algn="ctr"/>
             <a:r>
               <a:rPr lang="zh-TW" altLang="en-US" dirty="0"/>
-              <a:t>規格</a:t>
-            </a:r>
-            <a:r>
-              <a:rPr lang="zh-TW" altLang="en-US" dirty="0" smtClean="0"/>
-              <a:t>書</a:t>
-            </a:r>
-            <a:r>
-              <a:rPr lang="en-US" altLang="zh-TW" dirty="0" smtClean="0"/>
+              <a:t>規格書</a:t>
+            </a:r>
+            <a:r>
+              <a:rPr lang="en-US" altLang="zh-TW" dirty="0"/>
               <a:t>-</a:t>
             </a:r>
             <a:r>
-              <a:rPr lang="zh-TW" altLang="en-US" dirty="0" smtClean="0"/>
+              <a:rPr lang="zh-TW" altLang="en-US" dirty="0"/>
               <a:t>利害關係人</a:t>
             </a:r>
-            <a:endParaRPr lang="zh-TW" altLang="en-US" dirty="0"/>
           </a:p>
         </p:txBody>
       </p:sp>
@@ -6510,14 +6503,13 @@
               <a:t>規格書</a:t>
             </a:r>
             <a:r>
-              <a:rPr lang="en-US" altLang="zh-TW" dirty="0" smtClean="0"/>
+              <a:rPr lang="en-US" altLang="zh-TW" dirty="0"/>
               <a:t>-</a:t>
             </a:r>
             <a:r>
-              <a:rPr lang="zh-TW" altLang="en-US" dirty="0" smtClean="0"/>
+              <a:rPr lang="zh-TW" altLang="en-US" dirty="0"/>
               <a:t>事件表</a:t>
             </a:r>
-            <a:endParaRPr lang="zh-TW" altLang="en-US" dirty="0"/>
           </a:p>
         </p:txBody>
       </p:sp>
@@ -6595,21 +6587,16 @@
             <a:pPr algn="ctr"/>
             <a:r>
               <a:rPr lang="zh-TW" altLang="en-US" dirty="0"/>
-              <a:t>規格</a:t>
-            </a:r>
-            <a:r>
-              <a:rPr lang="zh-TW" altLang="en-US" dirty="0" smtClean="0"/>
-              <a:t>書</a:t>
-            </a:r>
-            <a:r>
-              <a:rPr lang="en-US" altLang="zh-TW" dirty="0" smtClean="0"/>
+              <a:t>規格書</a:t>
+            </a:r>
+            <a:r>
+              <a:rPr lang="en-US" altLang="zh-TW" dirty="0"/>
               <a:t>-</a:t>
             </a:r>
             <a:r>
-              <a:rPr lang="zh-TW" altLang="en-US" dirty="0" smtClean="0"/>
+              <a:rPr lang="zh-TW" altLang="en-US" dirty="0"/>
               <a:t>使用案例</a:t>
             </a:r>
-            <a:endParaRPr lang="zh-TW" altLang="en-US" dirty="0"/>
           </a:p>
         </p:txBody>
       </p:sp>
@@ -6710,10 +6697,9 @@
           <a:p>
             <a:pPr algn="ctr"/>
             <a:r>
-              <a:rPr lang="zh-TW" altLang="en-US" dirty="0" smtClean="0"/>
+              <a:rPr lang="zh-TW" altLang="en-US" dirty="0"/>
               <a:t>目錄</a:t>
             </a:r>
-            <a:endParaRPr lang="zh-TW" altLang="en-US" dirty="0"/>
           </a:p>
         </p:txBody>
       </p:sp>
@@ -6735,66 +6721,62 @@
           <a:lstStyle/>
           <a:p>
             <a:r>
-              <a:rPr lang="en-US" altLang="zh-TW" sz="3200" dirty="0" smtClean="0"/>
+              <a:rPr lang="en-US" altLang="zh-TW" sz="3200" dirty="0"/>
               <a:t>1.</a:t>
             </a:r>
             <a:r>
-              <a:rPr lang="zh-TW" altLang="en-US" sz="3200" dirty="0" smtClean="0"/>
+              <a:rPr lang="zh-TW" altLang="en-US" sz="3200" dirty="0"/>
               <a:t>製作動機</a:t>
             </a:r>
             <a:r>
-              <a:rPr lang="en-US" altLang="zh-TW" sz="3200" dirty="0" smtClean="0"/>
+              <a:rPr lang="en-US" altLang="zh-TW" sz="3200" dirty="0"/>
               <a:t>					</a:t>
             </a:r>
           </a:p>
           <a:p>
             <a:r>
-              <a:rPr lang="en-US" altLang="zh-TW" sz="3200" dirty="0" smtClean="0"/>
+              <a:rPr lang="en-US" altLang="zh-TW" sz="3200" dirty="0"/>
               <a:t>2.</a:t>
             </a:r>
             <a:r>
-              <a:rPr lang="zh-TW" altLang="en-US" sz="3200" dirty="0" smtClean="0"/>
+              <a:rPr lang="zh-TW" altLang="en-US" sz="3200" dirty="0"/>
               <a:t>網頁功能</a:t>
             </a:r>
-            <a:endParaRPr lang="en-US" altLang="zh-TW" sz="3200" dirty="0" smtClean="0"/>
-          </a:p>
-          <a:p>
-            <a:r>
-              <a:rPr lang="en-US" altLang="zh-TW" sz="3200" dirty="0" smtClean="0"/>
+            <a:endParaRPr lang="en-US" altLang="zh-TW" sz="3200" dirty="0"/>
+          </a:p>
+          <a:p>
+            <a:r>
+              <a:rPr lang="en-US" altLang="zh-TW" sz="3200" dirty="0"/>
               <a:t>3.</a:t>
             </a:r>
             <a:r>
-              <a:rPr lang="zh-TW" altLang="en-US" sz="3200" dirty="0" smtClean="0"/>
-              <a:t>規格</a:t>
-            </a:r>
-            <a:r>
               <a:rPr lang="zh-TW" altLang="en-US" sz="3200" dirty="0"/>
-              <a:t>書</a:t>
-            </a:r>
-            <a:endParaRPr lang="en-US" altLang="zh-TW" sz="3200" dirty="0" smtClean="0"/>
-          </a:p>
-          <a:p>
-            <a:r>
-              <a:rPr lang="en-US" altLang="zh-TW" sz="3200" dirty="0" smtClean="0"/>
+              <a:t>規格書</a:t>
+            </a:r>
+            <a:endParaRPr lang="en-US" altLang="zh-TW" sz="3200" dirty="0"/>
+          </a:p>
+          <a:p>
+            <a:r>
+              <a:rPr lang="en-US" altLang="zh-TW" sz="3200" dirty="0"/>
               <a:t>4.</a:t>
             </a:r>
             <a:r>
-              <a:rPr lang="zh-TW" altLang="en-US" sz="3200" dirty="0" smtClean="0"/>
+              <a:rPr lang="zh-TW" altLang="en-US" sz="3200" dirty="0"/>
               <a:t>組員分工</a:t>
             </a:r>
-            <a:endParaRPr lang="en-US" altLang="zh-TW" sz="3200" dirty="0" smtClean="0"/>
-          </a:p>
-          <a:p>
-            <a:r>
-              <a:rPr lang="en-US" altLang="zh-TW" sz="3200" dirty="0" smtClean="0"/>
+            <a:endParaRPr lang="en-US" altLang="zh-TW" sz="3200" dirty="0"/>
+          </a:p>
+          <a:p>
+            <a:r>
+              <a:rPr lang="en-US" altLang="zh-TW" sz="3200" dirty="0"/>
               <a:t>5.</a:t>
             </a:r>
             <a:r>
-              <a:rPr lang="zh-TW" altLang="en-US" sz="3200" dirty="0" smtClean="0"/>
+              <a:rPr lang="zh-TW" altLang="en-US" sz="3200" dirty="0"/>
               <a:t>結語</a:t>
             </a:r>
             <a:r>
-              <a:rPr lang="en-US" altLang="zh-TW" sz="3200" dirty="0" smtClean="0"/>
+              <a:rPr lang="en-US" altLang="zh-TW" sz="3200" dirty="0"/>
               <a:t>			</a:t>
             </a:r>
             <a:endParaRPr lang="zh-TW" altLang="en-US" sz="3200" dirty="0"/>
@@ -7055,15 +7037,7 @@
             </a:r>
             <a:r>
               <a:rPr lang="zh-TW" altLang="en-US" dirty="0"/>
-              <a:t>使用</a:t>
-            </a:r>
-            <a:r>
-              <a:rPr lang="zh-TW" altLang="en-US" dirty="0" smtClean="0"/>
-              <a:t>案例</a:t>
-            </a:r>
-            <a:r>
-              <a:rPr lang="zh-TW" altLang="en-US" dirty="0"/>
-              <a:t>圖</a:t>
+              <a:t>使用案例圖</a:t>
             </a:r>
           </a:p>
         </p:txBody>
@@ -7231,10 +7205,9 @@
           <a:p>
             <a:pPr algn="ctr"/>
             <a:r>
-              <a:rPr lang="zh-TW" altLang="en-US" dirty="0" smtClean="0"/>
+              <a:rPr lang="zh-TW" altLang="en-US" dirty="0"/>
               <a:t>組員分工</a:t>
             </a:r>
-            <a:endParaRPr lang="zh-TW" altLang="en-US" dirty="0"/>
           </a:p>
         </p:txBody>
       </p:sp>
@@ -7248,7 +7221,7 @@
             <p:ph idx="1"/>
             <p:extLst>
               <p:ext uri="{D42A27DB-BD31-4B8C-83A1-F6EECF244321}">
-                <p14:modId xmlns:p14="http://schemas.microsoft.com/office/powerpoint/2010/main" val="2122737743"/>
+                <p14:modId xmlns:p14="http://schemas.microsoft.com/office/powerpoint/2010/main" val="3520622100"/>
               </p:ext>
             </p:extLst>
           </p:nvPr>
@@ -7287,10 +7260,9 @@
                     <a:p>
                       <a:pPr algn="ctr"/>
                       <a:r>
-                        <a:rPr lang="zh-TW" altLang="en-US" dirty="0" smtClean="0"/>
+                        <a:rPr lang="zh-TW" altLang="en-US" dirty="0"/>
                         <a:t>組員</a:t>
                       </a:r>
-                      <a:endParaRPr lang="zh-TW" altLang="en-US" dirty="0"/>
                     </a:p>
                   </a:txBody>
                   <a:tcPr anchor="ctr"/>
@@ -7302,10 +7274,9 @@
                     <a:p>
                       <a:pPr algn="ctr"/>
                       <a:r>
-                        <a:rPr lang="zh-TW" altLang="en-US" dirty="0" smtClean="0"/>
+                        <a:rPr lang="zh-TW" altLang="en-US" dirty="0"/>
                         <a:t>分工</a:t>
                       </a:r>
-                      <a:endParaRPr lang="zh-TW" altLang="en-US" dirty="0"/>
                     </a:p>
                   </a:txBody>
                   <a:tcPr anchor="ctr"/>
@@ -7324,10 +7295,9 @@
                     <a:p>
                       <a:pPr algn="ctr"/>
                       <a:r>
-                        <a:rPr lang="zh-TW" altLang="en-US" dirty="0" smtClean="0"/>
+                        <a:rPr lang="zh-TW" altLang="en-US" dirty="0"/>
                         <a:t>廖立安</a:t>
                       </a:r>
-                      <a:endParaRPr lang="zh-TW" altLang="en-US" dirty="0"/>
                     </a:p>
                   </a:txBody>
                   <a:tcPr anchor="ctr"/>
@@ -7339,8 +7309,8 @@
                     <a:p>
                       <a:pPr algn="ctr"/>
                       <a:r>
-                        <a:rPr lang="en-US" altLang="zh-TW" dirty="0" smtClean="0"/>
-                        <a:t>35%</a:t>
+                        <a:rPr lang="en-US" altLang="zh-TW" dirty="0"/>
+                        <a:t>40%</a:t>
                       </a:r>
                       <a:endParaRPr lang="zh-TW" altLang="en-US" dirty="0"/>
                     </a:p>
@@ -7361,10 +7331,9 @@
                     <a:p>
                       <a:pPr algn="ctr"/>
                       <a:r>
-                        <a:rPr lang="zh-TW" altLang="en-US" dirty="0" smtClean="0"/>
+                        <a:rPr lang="zh-TW" altLang="en-US" dirty="0"/>
                         <a:t>李俊賢</a:t>
                       </a:r>
-                      <a:endParaRPr lang="zh-TW" altLang="en-US" dirty="0"/>
                     </a:p>
                   </a:txBody>
                   <a:tcPr anchor="ctr"/>
@@ -7376,8 +7345,8 @@
                     <a:p>
                       <a:pPr algn="ctr"/>
                       <a:r>
-                        <a:rPr lang="en-US" altLang="zh-TW" dirty="0" smtClean="0"/>
-                        <a:t>30%</a:t>
+                        <a:rPr lang="en-US" altLang="zh-TW" dirty="0"/>
+                        <a:t>20%</a:t>
                       </a:r>
                       <a:endParaRPr lang="zh-TW" altLang="en-US" dirty="0"/>
                     </a:p>
@@ -7398,10 +7367,9 @@
                     <a:p>
                       <a:pPr algn="ctr"/>
                       <a:r>
-                        <a:rPr lang="zh-TW" altLang="en-US" dirty="0" smtClean="0"/>
+                        <a:rPr lang="zh-TW" altLang="en-US" dirty="0"/>
                         <a:t>潘耿劭</a:t>
                       </a:r>
-                      <a:endParaRPr lang="zh-TW" altLang="en-US" dirty="0"/>
                     </a:p>
                   </a:txBody>
                   <a:tcPr anchor="ctr"/>
@@ -7413,8 +7381,8 @@
                     <a:p>
                       <a:pPr algn="ctr"/>
                       <a:r>
-                        <a:rPr lang="en-US" altLang="zh-TW" dirty="0" smtClean="0"/>
-                        <a:t>35%</a:t>
+                        <a:rPr lang="en-US" altLang="zh-TW" dirty="0"/>
+                        <a:t>40%</a:t>
                       </a:r>
                       <a:endParaRPr lang="zh-TW" altLang="en-US" dirty="0"/>
                     </a:p>
@@ -7478,10 +7446,9 @@
           <a:p>
             <a:pPr algn="ctr"/>
             <a:r>
-              <a:rPr lang="zh-TW" altLang="en-US" dirty="0" smtClean="0"/>
+              <a:rPr lang="zh-TW" altLang="en-US" dirty="0"/>
               <a:t>結語</a:t>
             </a:r>
-            <a:endParaRPr lang="zh-TW" altLang="en-US" dirty="0"/>
           </a:p>
         </p:txBody>
       </p:sp>
@@ -7502,13 +7469,9 @@
           <a:p>
             <a:r>
               <a:rPr lang="zh-TW" altLang="en-US" dirty="0"/>
-              <a:t>透過這次的系統分析期末</a:t>
-            </a:r>
-            <a:r>
-              <a:rPr lang="zh-TW" altLang="en-US" dirty="0" smtClean="0"/>
-              <a:t>報告，讓我們這組了解到了分工是一件非常值得學習的事情，除了必須規劃要如何製作，還要分配工作內容，是一件非常不容易的事情雖然最後沒有做得非常完善，但是透過這次期末報告，在製作過程非常辛苦，每一位組員的時間上面很難喬定，加上基本功不足，所以詢問了許多同學，也很感謝每一位同學，老師的幫忙，讓我們能學習到了許多。</a:t>
-            </a:r>
-            <a:endParaRPr lang="en-US" altLang="zh-TW" dirty="0" smtClean="0"/>
+              <a:t>透過這次的系統分析期末報告，讓我們這組了解到了分工是一件非常值得學習的事情，除了必須規劃要如何製作，還要分配工作內容，是一件非常不容易的事情雖然最後沒有做得非常完善，但是透過這次期末報告，在製作過程非常辛苦，每一位組員的時間上面很難喬定，加上基本功不足，所以詢問了許多同學，也很感謝每一位同學，老師的幫忙，讓我們能學習到了許多。</a:t>
+            </a:r>
+            <a:endParaRPr lang="en-US" altLang="zh-TW" dirty="0"/>
           </a:p>
         </p:txBody>
       </p:sp>
@@ -7567,13 +7530,8 @@
             <a:pPr algn="ctr"/>
             <a:r>
               <a:rPr lang="zh-TW" altLang="en-US" sz="7200" dirty="0"/>
-              <a:t>製作</a:t>
-            </a:r>
-            <a:r>
-              <a:rPr lang="zh-TW" altLang="en-US" sz="7200" dirty="0" smtClean="0"/>
-              <a:t>動機</a:t>
-            </a:r>
-            <a:endParaRPr lang="zh-TW" altLang="en-US" sz="7200" dirty="0"/>
+              <a:t>製作動機</a:t>
+            </a:r>
           </a:p>
         </p:txBody>
       </p:sp>
@@ -7624,10 +7582,9 @@
           <a:p>
             <a:pPr algn="ctr"/>
             <a:r>
-              <a:rPr lang="zh-TW" altLang="en-US" dirty="0" smtClean="0"/>
+              <a:rPr lang="zh-TW" altLang="en-US" dirty="0"/>
               <a:t>製作動機</a:t>
             </a:r>
-            <a:endParaRPr lang="zh-TW" altLang="en-US" dirty="0"/>
           </a:p>
         </p:txBody>
       </p:sp>
@@ -7654,26 +7611,17 @@
           <a:lstStyle/>
           <a:p>
             <a:r>
-              <a:rPr lang="zh-TW" altLang="en-US" sz="2400" dirty="0" smtClean="0"/>
-              <a:t>對於很們這組，每位成員都喜歡吃美食，會想製作這個網站是因為我們很常會在考慮今天到底要吃甚麼，或是今天該選擇喝甚麼飲料，或著是外面正在下大雨，懶得出門，一整天不想動，但是又必須要吃飯，這些問題常常與我們的生活習習相關</a:t>
-            </a:r>
-            <a:r>
               <a:rPr lang="zh-TW" altLang="en-US" sz="2400" dirty="0"/>
-              <a:t>，所以經過大家熱烈的討論，最後</a:t>
-            </a:r>
-            <a:r>
-              <a:rPr lang="zh-TW" altLang="en-US" sz="2400" dirty="0" smtClean="0"/>
-              <a:t>決定選擇</a:t>
-            </a:r>
-            <a:r>
-              <a:rPr lang="en-US" altLang="zh-TW" sz="2400" dirty="0" err="1" smtClean="0"/>
+              <a:t>對於很們這組，每位成員都喜歡吃美食，會想製作這個網站是因為我們很常會在考慮今天到底要吃甚麼，或是今天該選擇喝甚麼飲料，或著是外面正在下大雨，懶得出門，一整天不想動，但是又必須要吃飯，這些問題常常與我們的生活習習相關，所以經過大家熱烈的討論，最後決定選擇</a:t>
+            </a:r>
+            <a:r>
+              <a:rPr lang="en-US" altLang="zh-TW" sz="2400" dirty="0" err="1"/>
               <a:t>Ubereat</a:t>
             </a:r>
             <a:r>
-              <a:rPr lang="zh-TW" altLang="en-US" sz="2400" dirty="0" smtClean="0"/>
+              <a:rPr lang="zh-TW" altLang="en-US" sz="2400" dirty="0"/>
               <a:t>這個網站，來當作本次的期末報告。</a:t>
             </a:r>
-            <a:endParaRPr lang="zh-TW" altLang="en-US" sz="2400" dirty="0"/>
           </a:p>
         </p:txBody>
       </p:sp>
@@ -7731,10 +7679,9 @@
           <a:p>
             <a:pPr algn="ctr"/>
             <a:r>
-              <a:rPr lang="zh-TW" altLang="en-US" sz="7200" dirty="0" smtClean="0"/>
+              <a:rPr lang="zh-TW" altLang="en-US" sz="7200" dirty="0"/>
               <a:t>網頁功能</a:t>
             </a:r>
-            <a:endParaRPr lang="zh-TW" altLang="en-US" sz="7200" dirty="0"/>
           </a:p>
         </p:txBody>
       </p:sp>
@@ -7785,10 +7732,9 @@
           <a:p>
             <a:pPr algn="ctr"/>
             <a:r>
-              <a:rPr lang="zh-TW" altLang="en-US" dirty="0" smtClean="0"/>
+              <a:rPr lang="zh-TW" altLang="en-US" dirty="0"/>
               <a:t>首頁</a:t>
             </a:r>
-            <a:endParaRPr lang="zh-TW" altLang="en-US" dirty="0"/>
           </a:p>
         </p:txBody>
       </p:sp>
@@ -7865,10 +7811,9 @@
           <a:p>
             <a:pPr algn="ctr"/>
             <a:r>
-              <a:rPr lang="zh-TW" altLang="en-US" dirty="0" smtClean="0"/>
+              <a:rPr lang="zh-TW" altLang="en-US" dirty="0"/>
               <a:t>註冊功能</a:t>
             </a:r>
-            <a:endParaRPr lang="zh-TW" altLang="en-US" dirty="0"/>
           </a:p>
         </p:txBody>
       </p:sp>

--- a/系統分析-第八組期末專案.pptx
+++ b/系統分析-第八組期末專案.pptx
@@ -7221,7 +7221,7 @@
             <p:ph idx="1"/>
             <p:extLst>
               <p:ext uri="{D42A27DB-BD31-4B8C-83A1-F6EECF244321}">
-                <p14:modId xmlns:p14="http://schemas.microsoft.com/office/powerpoint/2010/main" val="3520622100"/>
+                <p14:modId xmlns:p14="http://schemas.microsoft.com/office/powerpoint/2010/main" val="1742501935"/>
               </p:ext>
             </p:extLst>
           </p:nvPr>
@@ -7310,7 +7310,7 @@
                       <a:pPr algn="ctr"/>
                       <a:r>
                         <a:rPr lang="en-US" altLang="zh-TW" dirty="0"/>
-                        <a:t>40%</a:t>
+                        <a:t>35%</a:t>
                       </a:r>
                       <a:endParaRPr lang="zh-TW" altLang="en-US" dirty="0"/>
                     </a:p>
@@ -7346,7 +7346,7 @@
                       <a:pPr algn="ctr"/>
                       <a:r>
                         <a:rPr lang="en-US" altLang="zh-TW" dirty="0"/>
-                        <a:t>20%</a:t>
+                        <a:t>30%</a:t>
                       </a:r>
                       <a:endParaRPr lang="zh-TW" altLang="en-US" dirty="0"/>
                     </a:p>
@@ -7381,8 +7381,8 @@
                     <a:p>
                       <a:pPr algn="ctr"/>
                       <a:r>
-                        <a:rPr lang="en-US" altLang="zh-TW" dirty="0"/>
-                        <a:t>40%</a:t>
+                        <a:rPr lang="en-US" altLang="zh-TW"/>
+                        <a:t>35%</a:t>
                       </a:r>
                       <a:endParaRPr lang="zh-TW" altLang="en-US" dirty="0"/>
                     </a:p>
